--- a/VEX Camp Day 3.pptx
+++ b/VEX Camp Day 3.pptx
@@ -153,6 +153,149 @@
 <p:cmAuthorLst xmlns:a="http://schemas.openxmlformats.org/drawingml/2006/main" xmlns:r="http://schemas.openxmlformats.org/officeDocument/2006/relationships" xmlns:p="http://schemas.openxmlformats.org/presentationml/2006/main">
   <p:cmAuthor id="2" name="Author" initials="A" lastIdx="0" clrIdx="1"/>
 </p:cmAuthorLst>
+</file>
+
+<file path=ppt/revisionInfo.xml><?xml version="1.0" encoding="utf-8"?>
+<p1510:revInfo xmlns:a="http://schemas.openxmlformats.org/drawingml/2006/main" xmlns:r="http://schemas.openxmlformats.org/officeDocument/2006/relationships" xmlns:p1510="http://schemas.microsoft.com/office/powerpoint/2015/10/main">
+  <p1510:revLst>
+    <p1510:client id="{205548C5-8331-4C51-9AB9-BD2B1566A77D}" v="159" dt="2023-06-16T19:59:52.826"/>
+  </p1510:revLst>
+</p1510:revInfo>
+</file>
+
+<file path=ppt/changesInfos/changesInfo1.xml><?xml version="1.0" encoding="utf-8"?>
+<pc:chgInfo xmlns:a="http://schemas.openxmlformats.org/drawingml/2006/main" xmlns:r="http://schemas.openxmlformats.org/officeDocument/2006/relationships" xmlns:ac="http://schemas.microsoft.com/office/drawing/2013/main/command" xmlns:pc="http://schemas.microsoft.com/office/powerpoint/2013/main/command">
+  <pc:docChgLst>
+    <pc:chgData name="Davis S." userId="cc0e14a16040ea79" providerId="Windows Live" clId="Web-{205548C5-8331-4C51-9AB9-BD2B1566A77D}"/>
+    <pc:docChg chg="modSld">
+      <pc:chgData name="Davis S." userId="cc0e14a16040ea79" providerId="Windows Live" clId="Web-{205548C5-8331-4C51-9AB9-BD2B1566A77D}" dt="2023-06-16T19:59:49.654" v="104" actId="20577"/>
+      <pc:docMkLst>
+        <pc:docMk/>
+      </pc:docMkLst>
+      <pc:sldChg chg="modSp">
+        <pc:chgData name="Davis S." userId="cc0e14a16040ea79" providerId="Windows Live" clId="Web-{205548C5-8331-4C51-9AB9-BD2B1566A77D}" dt="2023-06-16T19:55:30.694" v="52" actId="20577"/>
+        <pc:sldMkLst>
+          <pc:docMk/>
+          <pc:sldMk cId="1522461640" sldId="359"/>
+        </pc:sldMkLst>
+        <pc:spChg chg="mod">
+          <ac:chgData name="Davis S." userId="cc0e14a16040ea79" providerId="Windows Live" clId="Web-{205548C5-8331-4C51-9AB9-BD2B1566A77D}" dt="2023-06-16T19:55:30.694" v="52" actId="20577"/>
+          <ac:spMkLst>
+            <pc:docMk/>
+            <pc:sldMk cId="1522461640" sldId="359"/>
+            <ac:spMk id="13" creationId="{C5F84180-AD8A-0B59-D986-C101458EA085}"/>
+          </ac:spMkLst>
+        </pc:spChg>
+      </pc:sldChg>
+      <pc:sldChg chg="modSp">
+        <pc:chgData name="Davis S." userId="cc0e14a16040ea79" providerId="Windows Live" clId="Web-{205548C5-8331-4C51-9AB9-BD2B1566A77D}" dt="2023-06-16T19:56:04.789" v="60" actId="20577"/>
+        <pc:sldMkLst>
+          <pc:docMk/>
+          <pc:sldMk cId="1810760787" sldId="361"/>
+        </pc:sldMkLst>
+        <pc:spChg chg="mod">
+          <ac:chgData name="Davis S." userId="cc0e14a16040ea79" providerId="Windows Live" clId="Web-{205548C5-8331-4C51-9AB9-BD2B1566A77D}" dt="2023-06-16T19:56:04.789" v="60" actId="20577"/>
+          <ac:spMkLst>
+            <pc:docMk/>
+            <pc:sldMk cId="1810760787" sldId="361"/>
+            <ac:spMk id="5" creationId="{6CEC8BD2-592D-C4D5-D8FC-F6AC91C1B3E8}"/>
+          </ac:spMkLst>
+        </pc:spChg>
+      </pc:sldChg>
+      <pc:sldChg chg="delSp modSp">
+        <pc:chgData name="Davis S." userId="cc0e14a16040ea79" providerId="Windows Live" clId="Web-{205548C5-8331-4C51-9AB9-BD2B1566A77D}" dt="2023-06-16T19:56:32.743" v="65" actId="20577"/>
+        <pc:sldMkLst>
+          <pc:docMk/>
+          <pc:sldMk cId="4171969881" sldId="364"/>
+        </pc:sldMkLst>
+        <pc:spChg chg="mod">
+          <ac:chgData name="Davis S." userId="cc0e14a16040ea79" providerId="Windows Live" clId="Web-{205548C5-8331-4C51-9AB9-BD2B1566A77D}" dt="2023-06-16T19:56:32.743" v="65" actId="20577"/>
+          <ac:spMkLst>
+            <pc:docMk/>
+            <pc:sldMk cId="4171969881" sldId="364"/>
+            <ac:spMk id="3" creationId="{FDBC620B-7B3E-39BA-EAFD-D07D39F70DB0}"/>
+          </ac:spMkLst>
+        </pc:spChg>
+        <pc:picChg chg="del">
+          <ac:chgData name="Davis S." userId="cc0e14a16040ea79" providerId="Windows Live" clId="Web-{205548C5-8331-4C51-9AB9-BD2B1566A77D}" dt="2023-06-16T19:56:15.414" v="61"/>
+          <ac:picMkLst>
+            <pc:docMk/>
+            <pc:sldMk cId="4171969881" sldId="364"/>
+            <ac:picMk id="2050" creationId="{DF9FEC63-D289-F2A2-0E10-CAFCC8003ECB}"/>
+          </ac:picMkLst>
+        </pc:picChg>
+      </pc:sldChg>
+      <pc:sldChg chg="modSp">
+        <pc:chgData name="Davis S." userId="cc0e14a16040ea79" providerId="Windows Live" clId="Web-{205548C5-8331-4C51-9AB9-BD2B1566A77D}" dt="2023-06-16T19:57:21.556" v="80" actId="1076"/>
+        <pc:sldMkLst>
+          <pc:docMk/>
+          <pc:sldMk cId="2600212714" sldId="365"/>
+        </pc:sldMkLst>
+        <pc:spChg chg="mod">
+          <ac:chgData name="Davis S." userId="cc0e14a16040ea79" providerId="Windows Live" clId="Web-{205548C5-8331-4C51-9AB9-BD2B1566A77D}" dt="2023-06-16T19:57:04.962" v="78" actId="20577"/>
+          <ac:spMkLst>
+            <pc:docMk/>
+            <pc:sldMk cId="2600212714" sldId="365"/>
+            <ac:spMk id="4" creationId="{73D6F05B-B9CC-E2BB-000F-101AD5D23D93}"/>
+          </ac:spMkLst>
+        </pc:spChg>
+        <pc:spChg chg="mod">
+          <ac:chgData name="Davis S." userId="cc0e14a16040ea79" providerId="Windows Live" clId="Web-{205548C5-8331-4C51-9AB9-BD2B1566A77D}" dt="2023-06-16T19:57:21.556" v="80" actId="1076"/>
+          <ac:spMkLst>
+            <pc:docMk/>
+            <pc:sldMk cId="2600212714" sldId="365"/>
+            <ac:spMk id="8" creationId="{9CF5D225-A84F-4014-A1DD-CB9087CE38A5}"/>
+          </ac:spMkLst>
+        </pc:spChg>
+      </pc:sldChg>
+      <pc:sldChg chg="modSp">
+        <pc:chgData name="Davis S." userId="cc0e14a16040ea79" providerId="Windows Live" clId="Web-{205548C5-8331-4C51-9AB9-BD2B1566A77D}" dt="2023-06-16T19:58:07.011" v="83" actId="20577"/>
+        <pc:sldMkLst>
+          <pc:docMk/>
+          <pc:sldMk cId="4232732308" sldId="370"/>
+        </pc:sldMkLst>
+        <pc:spChg chg="mod">
+          <ac:chgData name="Davis S." userId="cc0e14a16040ea79" providerId="Windows Live" clId="Web-{205548C5-8331-4C51-9AB9-BD2B1566A77D}" dt="2023-06-16T19:58:07.011" v="83" actId="20577"/>
+          <ac:spMkLst>
+            <pc:docMk/>
+            <pc:sldMk cId="4232732308" sldId="370"/>
+            <ac:spMk id="7" creationId="{29CF3122-BD2C-2024-D6EE-EB6E1356F4BF}"/>
+          </ac:spMkLst>
+        </pc:spChg>
+      </pc:sldChg>
+      <pc:sldChg chg="modSp">
+        <pc:chgData name="Davis S." userId="cc0e14a16040ea79" providerId="Windows Live" clId="Web-{205548C5-8331-4C51-9AB9-BD2B1566A77D}" dt="2023-06-16T19:58:27.308" v="85" actId="20577"/>
+        <pc:sldMkLst>
+          <pc:docMk/>
+          <pc:sldMk cId="3137448522" sldId="374"/>
+        </pc:sldMkLst>
+        <pc:spChg chg="mod">
+          <ac:chgData name="Davis S." userId="cc0e14a16040ea79" providerId="Windows Live" clId="Web-{205548C5-8331-4C51-9AB9-BD2B1566A77D}" dt="2023-06-16T19:58:27.308" v="85" actId="20577"/>
+          <ac:spMkLst>
+            <pc:docMk/>
+            <pc:sldMk cId="3137448522" sldId="374"/>
+            <ac:spMk id="4" creationId="{05C206E4-6646-EB16-6475-3605A819FB56}"/>
+          </ac:spMkLst>
+        </pc:spChg>
+      </pc:sldChg>
+      <pc:sldChg chg="modSp">
+        <pc:chgData name="Davis S." userId="cc0e14a16040ea79" providerId="Windows Live" clId="Web-{205548C5-8331-4C51-9AB9-BD2B1566A77D}" dt="2023-06-16T19:59:49.654" v="104" actId="20577"/>
+        <pc:sldMkLst>
+          <pc:docMk/>
+          <pc:sldMk cId="1619057570" sldId="377"/>
+        </pc:sldMkLst>
+        <pc:spChg chg="mod">
+          <ac:chgData name="Davis S." userId="cc0e14a16040ea79" providerId="Windows Live" clId="Web-{205548C5-8331-4C51-9AB9-BD2B1566A77D}" dt="2023-06-16T19:59:49.654" v="104" actId="20577"/>
+          <ac:spMkLst>
+            <pc:docMk/>
+            <pc:sldMk cId="1619057570" sldId="377"/>
+            <ac:spMk id="3" creationId="{B7884F49-3436-54A7-4AEC-6724DA513747}"/>
+          </ac:spMkLst>
+        </pc:spChg>
+      </pc:sldChg>
+    </pc:docChg>
+  </pc:docChgLst>
+</pc:chgInfo>
 </file>
 
 <file path=ppt/handoutMasters/handoutMaster1.xml><?xml version="1.0" encoding="utf-8"?>
@@ -580,7 +723,7 @@
           <a:p>
             <a:fld id="{6EE7A52F-9D89-7442-A8E9-48D1527B5F6B}" type="datetimeFigureOut">
               <a:rPr lang="en-US" smtClean="0"/>
-              <a:t>6/15/2023</a:t>
+              <a:t>6/16/2023</a:t>
             </a:fld>
             <a:endParaRPr lang="en-US" dirty="0"/>
           </a:p>
@@ -2158,7 +2301,7 @@
             <a:fld id="{6FCA8E82-58CD-E045-8B98-B7A85B79B752}" type="datetime4">
               <a:rPr lang="en-US" smtClean="0"/>
               <a:pPr/>
-              <a:t>June 15, 2023</a:t>
+              <a:t>June 16, 2023</a:t>
             </a:fld>
             <a:endParaRPr lang="en-US" dirty="0">
               <a:latin typeface="+mn-lt"/>
@@ -3288,7 +3431,7 @@
             <a:fld id="{6FCA8E82-58CD-E045-8B98-B7A85B79B752}" type="datetime4">
               <a:rPr lang="en-US" smtClean="0"/>
               <a:pPr/>
-              <a:t>June 15, 2023</a:t>
+              <a:t>June 16, 2023</a:t>
             </a:fld>
             <a:endParaRPr lang="en-US" dirty="0">
               <a:latin typeface="+mn-lt"/>
@@ -4417,7 +4560,7 @@
             <a:fld id="{6FCA8E82-58CD-E045-8B98-B7A85B79B752}" type="datetime4">
               <a:rPr lang="en-US" smtClean="0"/>
               <a:pPr/>
-              <a:t>June 15, 2023</a:t>
+              <a:t>June 16, 2023</a:t>
             </a:fld>
             <a:endParaRPr lang="en-US" dirty="0">
               <a:latin typeface="+mn-lt"/>
@@ -6715,7 +6858,7 @@
             <a:fld id="{6FCA8E82-58CD-E045-8B98-B7A85B79B752}" type="datetime4">
               <a:rPr lang="en-US" smtClean="0"/>
               <a:pPr/>
-              <a:t>June 15, 2023</a:t>
+              <a:t>June 16, 2023</a:t>
             </a:fld>
             <a:endParaRPr lang="en-US" dirty="0">
               <a:latin typeface="+mn-lt"/>
@@ -7350,7 +7493,7 @@
             <a:fld id="{6FCA8E82-58CD-E045-8B98-B7A85B79B752}" type="datetime4">
               <a:rPr lang="en-US" smtClean="0"/>
               <a:pPr/>
-              <a:t>June 15, 2023</a:t>
+              <a:t>June 16, 2023</a:t>
             </a:fld>
             <a:endParaRPr lang="en-US" dirty="0">
               <a:latin typeface="+mn-lt"/>
@@ -8120,7 +8263,7 @@
             <a:fld id="{6FCA8E82-58CD-E045-8B98-B7A85B79B752}" type="datetime4">
               <a:rPr lang="en-US" smtClean="0"/>
               <a:pPr/>
-              <a:t>June 15, 2023</a:t>
+              <a:t>June 16, 2023</a:t>
             </a:fld>
             <a:endParaRPr lang="en-US" dirty="0">
               <a:latin typeface="+mn-lt"/>
@@ -8384,7 +8527,7 @@
             <a:fld id="{6FCA8E82-58CD-E045-8B98-B7A85B79B752}" type="datetime4">
               <a:rPr lang="en-US" smtClean="0"/>
               <a:pPr/>
-              <a:t>June 15, 2023</a:t>
+              <a:t>June 16, 2023</a:t>
             </a:fld>
             <a:endParaRPr lang="en-US" dirty="0">
               <a:latin typeface="+mn-lt"/>
@@ -11307,7 +11450,7 @@
             <a:fld id="{6FCA8E82-58CD-E045-8B98-B7A85B79B752}" type="datetime4">
               <a:rPr lang="en-US" smtClean="0"/>
               <a:pPr/>
-              <a:t>June 15, 2023</a:t>
+              <a:t>June 16, 2023</a:t>
             </a:fld>
             <a:endParaRPr lang="en-US" dirty="0">
               <a:latin typeface="+mn-lt"/>
@@ -12482,7 +12625,7 @@
             <a:fld id="{6FCA8E82-58CD-E045-8B98-B7A85B79B752}" type="datetime4">
               <a:rPr lang="en-US" smtClean="0"/>
               <a:pPr/>
-              <a:t>June 15, 2023</a:t>
+              <a:t>June 16, 2023</a:t>
             </a:fld>
             <a:endParaRPr lang="en-US" dirty="0">
               <a:latin typeface="+mn-lt"/>
@@ -12798,7 +12941,7 @@
             <a:fld id="{6FCA8E82-58CD-E045-8B98-B7A85B79B752}" type="datetime4">
               <a:rPr lang="en-US" smtClean="0"/>
               <a:pPr/>
-              <a:t>June 15, 2023</a:t>
+              <a:t>June 16, 2023</a:t>
             </a:fld>
             <a:endParaRPr lang="en-US" dirty="0">
               <a:latin typeface="+mn-lt"/>
@@ -13838,7 +13981,7 @@
           <a:noFill/>
         </p:spPr>
         <p:txBody>
-          <a:bodyPr wrap="square" rtlCol="0">
+          <a:bodyPr wrap="square" lIns="91440" tIns="45720" rIns="91440" bIns="45720" rtlCol="0" anchor="t">
             <a:spAutoFit/>
           </a:bodyPr>
           <a:lstStyle/>
@@ -13849,7 +13992,7 @@
                   <a:schemeClr val="accent4"/>
                 </a:solidFill>
               </a:rPr>
-              <a:t>Your turn: pick a value you think would be correct. Whoever gets closest to the value I’m thinking of wins a piece of candy. (my value is a reasonable value you might use).</a:t>
+              <a:t>Your turn: pick a value you think would be correct. I'll also think of a value, and whoever gets closest is the winner of this "mini-competition" (my value is a reasonable value you might use).</a:t>
             </a:r>
           </a:p>
         </p:txBody>
@@ -14341,7 +14484,7 @@
           </a:prstGeom>
         </p:spPr>
         <p:txBody>
-          <a:bodyPr vert="horz" lIns="0" tIns="0" rIns="0" bIns="0" rtlCol="0">
+          <a:bodyPr vert="horz" lIns="0" tIns="0" rIns="0" bIns="0" rtlCol="0" anchor="t">
             <a:noAutofit/>
           </a:bodyPr>
           <a:lstStyle>
@@ -14523,7 +14666,7 @@
                   <a:srgbClr val="00B050"/>
                 </a:solidFill>
               </a:rPr>
-              <a:t>five minutes </a:t>
+              <a:t>ten minutes </a:t>
             </a:r>
             <a:r>
               <a:rPr lang="en-US" dirty="0">
@@ -15206,63 +15349,18 @@
         </p:nvSpPr>
         <p:spPr/>
         <p:txBody>
-          <a:bodyPr/>
+          <a:bodyPr vert="horz" lIns="0" tIns="0" rIns="0" bIns="0" rtlCol="0" anchor="t">
+            <a:noAutofit/>
+          </a:bodyPr>
           <a:lstStyle/>
           <a:p>
             <a:r>
               <a:rPr lang="en-US" dirty="0"/>
-              <a:t>A closed-loop controller that NASA uses to steer rockets and a number guessing game, now in your local VEX robot.</a:t>
+              <a:t>A closed-loop controller that NASA uses to steer rockets (and a number guessing game) now in your local VEX robot.</a:t>
             </a:r>
           </a:p>
         </p:txBody>
       </p:sp>
-      <p:pic>
-        <p:nvPicPr>
-          <p:cNvPr id="2050" name="Picture 2">
-            <a:extLst>
-              <a:ext uri="{FF2B5EF4-FFF2-40B4-BE49-F238E27FC236}">
-                <a16:creationId xmlns:a16="http://schemas.microsoft.com/office/drawing/2014/main" id="{DF9FEC63-D289-F2A2-0E10-CAFCC8003ECB}"/>
-              </a:ext>
-            </a:extLst>
-          </p:cNvPr>
-          <p:cNvPicPr>
-            <a:picLocks noChangeAspect="1" noChangeArrowheads="1"/>
-          </p:cNvPicPr>
-          <p:nvPr/>
-        </p:nvPicPr>
-        <p:blipFill>
-          <a:blip r:embed="rId2">
-            <a:extLst>
-              <a:ext uri="{28A0092B-C50C-407E-A947-70E740481C1C}">
-                <a14:useLocalDpi xmlns:a14="http://schemas.microsoft.com/office/drawing/2010/main" val="0"/>
-              </a:ext>
-            </a:extLst>
-          </a:blip>
-          <a:srcRect/>
-          <a:stretch>
-            <a:fillRect/>
-          </a:stretch>
-        </p:blipFill>
-        <p:spPr bwMode="auto">
-          <a:xfrm>
-            <a:off x="151596" y="5502890"/>
-            <a:ext cx="1482384" cy="1239624"/>
-          </a:xfrm>
-          <a:prstGeom prst="rect">
-            <a:avLst/>
-          </a:prstGeom>
-          <a:noFill/>
-          <a:extLst>
-            <a:ext uri="{909E8E84-426E-40DD-AFC4-6F175D3DCCD1}">
-              <a14:hiddenFill xmlns:a14="http://schemas.microsoft.com/office/drawing/2010/main">
-                <a:solidFill>
-                  <a:srgbClr val="FFFFFF"/>
-                </a:solidFill>
-              </a14:hiddenFill>
-            </a:ext>
-          </a:extLst>
-        </p:spPr>
-      </p:pic>
     </p:spTree>
     <p:extLst>
       <p:ext uri="{BB962C8B-B14F-4D97-AF65-F5344CB8AC3E}">
@@ -15346,7 +15444,9 @@
           </a:xfrm>
         </p:spPr>
         <p:txBody>
-          <a:bodyPr/>
+          <a:bodyPr vert="horz" lIns="0" tIns="0" rIns="0" bIns="0" rtlCol="0" anchor="t">
+            <a:noAutofit/>
+          </a:bodyPr>
           <a:lstStyle/>
           <a:p>
             <a:r>
@@ -15355,7 +15455,7 @@
             </a:r>
             <a:r>
               <a:rPr lang="en-US" dirty="0"/>
-              <a:t> stands for Proportional, Integral, Derivative. It’s a closed-loop controller that uses “gains” to turn and move your robot around accurately. Your robot already uses it, just badly. It looks more complicated than it is, and you can impress people that work with robots by talking about it!</a:t>
+              <a:t> stands for Proportional, Integral, Derivative. It’s a closed-loop controller that uses “gains” to turn and move your robot around accurately. Your robot already uses it, just not in a  way you can easily see. It looks more complicated than it is, and you can impress people that work with robots by talking about it!</a:t>
             </a:r>
           </a:p>
         </p:txBody>
@@ -15549,7 +15649,7 @@
         </p:nvSpPr>
         <p:spPr>
           <a:xfrm>
-            <a:off x="2095501" y="3878857"/>
+            <a:off x="2095501" y="4008254"/>
             <a:ext cx="4572001" cy="1289106"/>
           </a:xfrm>
           <a:prstGeom prst="rect">
@@ -18294,7 +18394,7 @@
           </a:prstGeom>
         </p:spPr>
         <p:txBody>
-          <a:bodyPr vert="horz" lIns="0" tIns="0" rIns="0" bIns="0" rtlCol="0">
+          <a:bodyPr vert="horz" lIns="0" tIns="0" rIns="0" bIns="0" rtlCol="0" anchor="t">
             <a:noAutofit/>
           </a:bodyPr>
           <a:lstStyle>
@@ -18468,7 +18568,7 @@
                   <a:srgbClr val="FF0000"/>
                 </a:solidFill>
               </a:rPr>
-              <a:t>But WAIT… our angle is a number from 0 to 360, so if we typed something like “10” for deg and our current is 350, we will get a big negative number. Let’s fix this.</a:t>
+              <a:t>But WAIT… our angle is a number from 0 to 360, so if we typed something like “50” for deg and our current is 350, we will get a big negative number. Let’s fix this.</a:t>
             </a:r>
           </a:p>
         </p:txBody>
@@ -19135,7 +19235,9 @@
           </a:xfrm>
         </p:spPr>
         <p:txBody>
-          <a:bodyPr/>
+          <a:bodyPr vert="horz" lIns="0" tIns="0" rIns="0" bIns="0" rtlCol="0" anchor="t">
+            <a:noAutofit/>
+          </a:bodyPr>
           <a:lstStyle/>
           <a:p>
             <a:r>
@@ -19146,7 +19248,7 @@
           <a:p>
             <a:r>
               <a:rPr lang="en-US" dirty="0"/>
-              <a:t>Inside our loop, all we have to do is update our error every time it runs! We simply get our new angle, then calculate our error again.</a:t>
+              <a:t>Inside our loop, all we have to do is update our error every time it runs. We simply get our new angle, then calculate our error again.</a:t>
             </a:r>
           </a:p>
         </p:txBody>
@@ -20710,12 +20812,14 @@
         </p:nvSpPr>
         <p:spPr/>
         <p:txBody>
-          <a:bodyPr/>
+          <a:bodyPr vert="horz" lIns="0" tIns="0" rIns="0" bIns="0" rtlCol="0" anchor="t">
+            <a:noAutofit/>
+          </a:bodyPr>
           <a:lstStyle/>
           <a:p>
             <a:r>
               <a:rPr lang="en-US" dirty="0"/>
-              <a:t>I’ll give everyone about 15 minutes, and your goal is to make the most accurate 90 degree turn possible by changing your PID constants. Winner gets candy (or other decent prize) tomorrow.</a:t>
+              <a:t>I’ll give everyone about 15 minutes, and your goal is to make the most accurate 90 degree turn possible by changing your PID constants (after I walk you all through tuning).</a:t>
             </a:r>
           </a:p>
         </p:txBody>
@@ -24146,15 +24250,6 @@
 </file>
 
 <file path=customXml/item1.xml><?xml version="1.0" encoding="utf-8"?>
-<p:properties xmlns:p="http://schemas.microsoft.com/office/2006/metadata/properties" xmlns:xsi="http://www.w3.org/2001/XMLSchema-instance" xmlns:pc="http://schemas.microsoft.com/office/infopath/2007/PartnerControls">
-  <documentManagement>
-    <Status xmlns="71af3243-3dd4-4a8d-8c0d-dd76da1f02a5">Not started</Status>
-    <MediaServiceKeyPoints xmlns="71af3243-3dd4-4a8d-8c0d-dd76da1f02a5" xsi:nil="true"/>
-  </documentManagement>
-</p:properties>
-</file>
-
-<file path=customXml/item2.xml><?xml version="1.0" encoding="utf-8"?>
 <ct:contentTypeSchema xmlns:ct="http://schemas.microsoft.com/office/2006/metadata/contentType" xmlns:ma="http://schemas.microsoft.com/office/2006/metadata/properties/metaAttributes" ct:_="" ma:_="" ma:contentTypeName="Document" ma:contentTypeID="0x01010079F111ED35F8CC479449609E8A0923A6" ma:contentTypeVersion="12" ma:contentTypeDescription="Create a new document." ma:contentTypeScope="" ma:versionID="426e97fa315356fffbdcd9876fe988c2">
   <xsd:schema xmlns:xsd="http://www.w3.org/2001/XMLSchema" xmlns:xs="http://www.w3.org/2001/XMLSchema" xmlns:p="http://schemas.microsoft.com/office/2006/metadata/properties" xmlns:ns2="71af3243-3dd4-4a8d-8c0d-dd76da1f02a5" xmlns:ns3="16c05727-aa75-4e4a-9b5f-8a80a1165891" targetNamespace="http://schemas.microsoft.com/office/2006/metadata/properties" ma:root="true" ma:fieldsID="14b8f0def80e6d70ce3def20c90759ae" ns2:_="" ns3:_="">
     <xsd:import namespace="71af3243-3dd4-4a8d-8c0d-dd76da1f02a5"/>
@@ -24375,6 +24470,15 @@
 </ct:contentTypeSchema>
 </file>
 
+<file path=customXml/item2.xml><?xml version="1.0" encoding="utf-8"?>
+<p:properties xmlns:p="http://schemas.microsoft.com/office/2006/metadata/properties" xmlns:xsi="http://www.w3.org/2001/XMLSchema-instance" xmlns:pc="http://schemas.microsoft.com/office/infopath/2007/PartnerControls">
+  <documentManagement>
+    <Status xmlns="71af3243-3dd4-4a8d-8c0d-dd76da1f02a5">Not started</Status>
+    <MediaServiceKeyPoints xmlns="71af3243-3dd4-4a8d-8c0d-dd76da1f02a5" xsi:nil="true"/>
+  </documentManagement>
+</p:properties>
+</file>
+
 <file path=customXml/item3.xml><?xml version="1.0" encoding="utf-8"?>
 <?mso-contentType ?>
 <FormTemplates xmlns="http://schemas.microsoft.com/sharepoint/v3/contenttype/forms">
@@ -24385,16 +24489,6 @@
 </file>
 
 <file path=customXml/itemProps1.xml><?xml version="1.0" encoding="utf-8"?>
-<ds:datastoreItem xmlns:ds="http://schemas.openxmlformats.org/officeDocument/2006/customXml" ds:itemID="{09EC1AB0-9704-404D-B6D3-819D938AC55B}">
-  <ds:schemaRefs>
-    <ds:schemaRef ds:uri="http://schemas.microsoft.com/office/2006/metadata/properties"/>
-    <ds:schemaRef ds:uri="http://schemas.microsoft.com/office/infopath/2007/PartnerControls"/>
-    <ds:schemaRef ds:uri="71af3243-3dd4-4a8d-8c0d-dd76da1f02a5"/>
-  </ds:schemaRefs>
-</ds:datastoreItem>
-</file>
-
-<file path=customXml/itemProps2.xml><?xml version="1.0" encoding="utf-8"?>
 <ds:datastoreItem xmlns:ds="http://schemas.openxmlformats.org/officeDocument/2006/customXml" ds:itemID="{94F21D10-BD83-491A-AAA6-945C2DB1EB01}">
   <ds:schemaRefs>
     <ds:schemaRef ds:uri="http://schemas.microsoft.com/office/2006/metadata/contentType"/>
@@ -24413,6 +24507,16 @@
 </ds:datastoreItem>
 </file>
 
+<file path=customXml/itemProps2.xml><?xml version="1.0" encoding="utf-8"?>
+<ds:datastoreItem xmlns:ds="http://schemas.openxmlformats.org/officeDocument/2006/customXml" ds:itemID="{09EC1AB0-9704-404D-B6D3-819D938AC55B}">
+  <ds:schemaRefs>
+    <ds:schemaRef ds:uri="http://schemas.microsoft.com/office/2006/metadata/properties"/>
+    <ds:schemaRef ds:uri="http://schemas.microsoft.com/office/infopath/2007/PartnerControls"/>
+    <ds:schemaRef ds:uri="71af3243-3dd4-4a8d-8c0d-dd76da1f02a5"/>
+  </ds:schemaRefs>
+</ds:datastoreItem>
+</file>
+
 <file path=customXml/itemProps3.xml><?xml version="1.0" encoding="utf-8"?>
 <ds:datastoreItem xmlns:ds="http://schemas.openxmlformats.org/officeDocument/2006/customXml" ds:itemID="{1D20B6E4-879E-4E6C-BDE7-261540CD3765}">
   <ds:schemaRefs>
